--- a/WR-Zielbeziehungen.pptx
+++ b/WR-Zielbeziehungen.pptx
@@ -2982,7 +2982,20 @@
           <a:bodyPr/>
           <a:lstStyle/>
           <a:p>
-            <a:endParaRPr lang="de-DE"/>
+            <a:r>
+              <a:rPr lang="de-DE"/>
+              <a:t>Vorschlag/Notiz</a:t>
+            </a:r>
+            <a:r>
+              <a:rPr lang="de-DE" dirty="0"/>
+              <a:t>: </a:t>
+            </a:r>
+          </a:p>
+          <a:p>
+            <a:r>
+              <a:rPr lang="de-DE" dirty="0"/>
+              <a:t>hier bitte Karikatur als Einleitung </a:t>
+            </a:r>
           </a:p>
         </p:txBody>
       </p:sp>

--- a/WR-Zielbeziehungen.pptx
+++ b/WR-Zielbeziehungen.pptx
@@ -2963,7 +2963,10 @@
           <a:bodyPr/>
           <a:lstStyle/>
           <a:p>
-            <a:endParaRPr lang="de-DE"/>
+            <a:r>
+              <a:rPr lang="de-DE"/>
+              <a:t>lol</a:t>
+            </a:r>
           </a:p>
         </p:txBody>
       </p:sp>
@@ -2983,12 +2986,8 @@
           <a:lstStyle/>
           <a:p>
             <a:r>
-              <a:rPr lang="de-DE"/>
-              <a:t>Vorschlag/Notiz</a:t>
-            </a:r>
-            <a:r>
               <a:rPr lang="de-DE" dirty="0"/>
-              <a:t>: </a:t>
+              <a:t>Vorschlag/Notiz: </a:t>
             </a:r>
           </a:p>
           <a:p>
